--- a/VideoSessionsMaterials/v4-using-javascript.pptx
+++ b/VideoSessionsMaterials/v4-using-javascript.pptx
@@ -5069,58 +5069,58 @@
           <a:lstStyle/>
           <a:p>
             <a:r>
-              <a:rPr lang="en-US" sz="3000" dirty="0" smtClean="0"/>
+              <a:rPr lang="en-US" sz="3200" dirty="0" smtClean="0"/>
               <a:t>Purpose of this session is to teach Smart Player API code</a:t>
             </a:r>
           </a:p>
           <a:p>
             <a:pPr lvl="1"/>
             <a:r>
-              <a:rPr lang="en-US" sz="3000" dirty="0" smtClean="0"/>
+              <a:rPr lang="en-US" sz="3200" dirty="0" smtClean="0"/>
               <a:t>Is it also appropriate to suggest best practices in JavaScript?</a:t>
             </a:r>
           </a:p>
           <a:p>
             <a:pPr lvl="1"/>
             <a:r>
-              <a:rPr lang="en-US" sz="3000" dirty="0" smtClean="0"/>
+              <a:rPr lang="en-US" sz="3200" dirty="0" smtClean="0"/>
               <a:t>What if code is copied directly and not modified thus giving user poorly architected code?</a:t>
             </a:r>
           </a:p>
           <a:p>
             <a:r>
-              <a:rPr lang="en-US" sz="3000" dirty="0" smtClean="0"/>
+              <a:rPr lang="en-US" sz="3200" dirty="0" smtClean="0"/>
               <a:t>Good pattern to use is a basic version of the </a:t>
             </a:r>
             <a:r>
-              <a:rPr lang="en-US" sz="3000" dirty="0" smtClean="0">
+              <a:rPr lang="en-US" sz="3200" dirty="0" smtClean="0">
                 <a:hlinkClick r:id="rId2"/>
               </a:rPr>
               <a:t>Module pattern</a:t>
             </a:r>
-            <a:endParaRPr lang="en-US" sz="3000" dirty="0" smtClean="0"/>
+            <a:endParaRPr lang="en-US" sz="3200" dirty="0" smtClean="0"/>
           </a:p>
           <a:p>
             <a:pPr lvl="1"/>
             <a:r>
-              <a:rPr lang="en-US" sz="3000" dirty="0" smtClean="0"/>
+              <a:rPr lang="en-US" sz="3200" dirty="0" smtClean="0"/>
               <a:t>Keeps variables out of the global name space to avoid collisions with other scripts used in the page</a:t>
             </a:r>
           </a:p>
           <a:p>
             <a:pPr lvl="1"/>
             <a:r>
-              <a:rPr lang="en-US" sz="3000" dirty="0" smtClean="0"/>
+              <a:rPr lang="en-US" sz="3200" dirty="0" smtClean="0"/>
               <a:t>All variable initialized at the top to make it easier to find them</a:t>
             </a:r>
           </a:p>
           <a:p>
             <a:pPr lvl="1"/>
             <a:r>
-              <a:rPr lang="en-US" sz="3000" dirty="0" smtClean="0"/>
+              <a:rPr lang="en-US" sz="3200" dirty="0" smtClean="0"/>
               <a:t>Allows you to have both public and private data/functions</a:t>
             </a:r>
-            <a:endParaRPr lang="en-US" sz="3000" dirty="0"/>
+            <a:endParaRPr lang="en-US" sz="3200" dirty="0"/>
           </a:p>
         </p:txBody>
       </p:sp>
